--- a/documentation/presentation.pptx
+++ b/documentation/presentation.pptx
@@ -14,6 +14,7 @@
     <p:sldId id="261" r:id="rId11"/>
     <p:sldId id="262" r:id="rId12"/>
     <p:sldId id="263" r:id="rId13"/>
+    <p:sldId id="265" r:id="rId14"/>
   </p:sldIdLst>
   <p:sldSz cx="12192000" cy="6858000"/>
   <p:notesSz cx="6858000" cy="9144000"/>
@@ -112,6 +113,11 @@
       </a:defRPr>
     </a:lvl9pPr>
   </p:defaultTextStyle>
+  <p:extLst>
+    <p:ext uri="{EFAFB233-063F-42B5-8137-9DF3F51BA10A}">
+      <p15:sldGuideLst xmlns:p15="http://schemas.microsoft.com/office/powerpoint/2012/main"/>
+    </p:ext>
+  </p:extLst>
 </p:presentation>
 </file>
 
@@ -264,7 +270,7 @@
           <a:p>
             <a:fld id="{9B3CFDEF-EEDF-4594-9525-39AD453CE449}" type="datetimeFigureOut">
               <a:rPr lang="bg-BG" smtClean="0"/>
-              <a:t>11.5.2025 г.</a:t>
+              <a:t>12.5.2025 г.</a:t>
             </a:fld>
             <a:endParaRPr lang="bg-BG"/>
           </a:p>
@@ -464,7 +470,7 @@
           <a:p>
             <a:fld id="{9B3CFDEF-EEDF-4594-9525-39AD453CE449}" type="datetimeFigureOut">
               <a:rPr lang="bg-BG" smtClean="0"/>
-              <a:t>11.5.2025 г.</a:t>
+              <a:t>12.5.2025 г.</a:t>
             </a:fld>
             <a:endParaRPr lang="bg-BG"/>
           </a:p>
@@ -674,7 +680,7 @@
           <a:p>
             <a:fld id="{9B3CFDEF-EEDF-4594-9525-39AD453CE449}" type="datetimeFigureOut">
               <a:rPr lang="bg-BG" smtClean="0"/>
-              <a:t>11.5.2025 г.</a:t>
+              <a:t>12.5.2025 г.</a:t>
             </a:fld>
             <a:endParaRPr lang="bg-BG"/>
           </a:p>
@@ -874,7 +880,7 @@
           <a:p>
             <a:fld id="{9B3CFDEF-EEDF-4594-9525-39AD453CE449}" type="datetimeFigureOut">
               <a:rPr lang="bg-BG" smtClean="0"/>
-              <a:t>11.5.2025 г.</a:t>
+              <a:t>12.5.2025 г.</a:t>
             </a:fld>
             <a:endParaRPr lang="bg-BG"/>
           </a:p>
@@ -1150,7 +1156,7 @@
           <a:p>
             <a:fld id="{9B3CFDEF-EEDF-4594-9525-39AD453CE449}" type="datetimeFigureOut">
               <a:rPr lang="bg-BG" smtClean="0"/>
-              <a:t>11.5.2025 г.</a:t>
+              <a:t>12.5.2025 г.</a:t>
             </a:fld>
             <a:endParaRPr lang="bg-BG"/>
           </a:p>
@@ -1418,7 +1424,7 @@
           <a:p>
             <a:fld id="{9B3CFDEF-EEDF-4594-9525-39AD453CE449}" type="datetimeFigureOut">
               <a:rPr lang="bg-BG" smtClean="0"/>
-              <a:t>11.5.2025 г.</a:t>
+              <a:t>12.5.2025 г.</a:t>
             </a:fld>
             <a:endParaRPr lang="bg-BG"/>
           </a:p>
@@ -1833,7 +1839,7 @@
           <a:p>
             <a:fld id="{9B3CFDEF-EEDF-4594-9525-39AD453CE449}" type="datetimeFigureOut">
               <a:rPr lang="bg-BG" smtClean="0"/>
-              <a:t>11.5.2025 г.</a:t>
+              <a:t>12.5.2025 г.</a:t>
             </a:fld>
             <a:endParaRPr lang="bg-BG"/>
           </a:p>
@@ -1975,7 +1981,7 @@
           <a:p>
             <a:fld id="{9B3CFDEF-EEDF-4594-9525-39AD453CE449}" type="datetimeFigureOut">
               <a:rPr lang="bg-BG" smtClean="0"/>
-              <a:t>11.5.2025 г.</a:t>
+              <a:t>12.5.2025 г.</a:t>
             </a:fld>
             <a:endParaRPr lang="bg-BG"/>
           </a:p>
@@ -2088,7 +2094,7 @@
           <a:p>
             <a:fld id="{9B3CFDEF-EEDF-4594-9525-39AD453CE449}" type="datetimeFigureOut">
               <a:rPr lang="bg-BG" smtClean="0"/>
-              <a:t>11.5.2025 г.</a:t>
+              <a:t>12.5.2025 г.</a:t>
             </a:fld>
             <a:endParaRPr lang="bg-BG"/>
           </a:p>
@@ -2401,7 +2407,7 @@
           <a:p>
             <a:fld id="{9B3CFDEF-EEDF-4594-9525-39AD453CE449}" type="datetimeFigureOut">
               <a:rPr lang="bg-BG" smtClean="0"/>
-              <a:t>11.5.2025 г.</a:t>
+              <a:t>12.5.2025 г.</a:t>
             </a:fld>
             <a:endParaRPr lang="bg-BG"/>
           </a:p>
@@ -2690,7 +2696,7 @@
           <a:p>
             <a:fld id="{9B3CFDEF-EEDF-4594-9525-39AD453CE449}" type="datetimeFigureOut">
               <a:rPr lang="bg-BG" smtClean="0"/>
-              <a:t>11.5.2025 г.</a:t>
+              <a:t>12.5.2025 г.</a:t>
             </a:fld>
             <a:endParaRPr lang="bg-BG"/>
           </a:p>
@@ -2933,7 +2939,7 @@
           <a:p>
             <a:fld id="{9B3CFDEF-EEDF-4594-9525-39AD453CE449}" type="datetimeFigureOut">
               <a:rPr lang="bg-BG" smtClean="0"/>
-              <a:t>11.5.2025 г.</a:t>
+              <a:t>12.5.2025 г.</a:t>
             </a:fld>
             <a:endParaRPr lang="bg-BG"/>
           </a:p>
@@ -3446,6 +3452,191 @@
     <p:extLst>
       <p:ext uri="{BB962C8B-B14F-4D97-AF65-F5344CB8AC3E}">
         <p14:creationId xmlns:p14="http://schemas.microsoft.com/office/powerpoint/2010/main" val="401930928"/>
+      </p:ext>
+    </p:extLst>
+  </p:cSld>
+  <p:clrMapOvr>
+    <a:masterClrMapping/>
+  </p:clrMapOvr>
+</p:sld>
+</file>
+
+<file path=ppt/slides/slide10.xml><?xml version="1.0" encoding="utf-8"?>
+<p:sld xmlns:a="http://schemas.openxmlformats.org/drawingml/2006/main" xmlns:r="http://schemas.openxmlformats.org/officeDocument/2006/relationships" xmlns:p="http://schemas.openxmlformats.org/presentationml/2006/main">
+  <p:cSld>
+    <p:bg>
+      <p:bgPr>
+        <a:solidFill>
+          <a:schemeClr val="bg1"/>
+        </a:solidFill>
+        <a:effectLst/>
+      </p:bgPr>
+    </p:bg>
+    <p:spTree>
+      <p:nvGrpSpPr>
+        <p:cNvPr id="1" name=""/>
+        <p:cNvGrpSpPr/>
+        <p:nvPr/>
+      </p:nvGrpSpPr>
+      <p:grpSpPr>
+        <a:xfrm>
+          <a:off x="0" y="0"/>
+          <a:ext cx="0" cy="0"/>
+          <a:chOff x="0" y="0"/>
+          <a:chExt cx="0" cy="0"/>
+        </a:xfrm>
+      </p:grpSpPr>
+      <p:sp>
+        <p:nvSpPr>
+          <p:cNvPr id="9" name="Rectangle 8">
+            <a:extLst>
+              <a:ext uri="{FF2B5EF4-FFF2-40B4-BE49-F238E27FC236}">
+                <a16:creationId xmlns:a16="http://schemas.microsoft.com/office/drawing/2014/main" id="{A4AC5506-6312-4701-8D3C-40187889A947}"/>
+              </a:ext>
+              <a:ext uri="{C183D7F6-B498-43B3-948B-1728B52AA6E4}">
+                <adec:decorative xmlns:adec="http://schemas.microsoft.com/office/drawing/2017/decorative" val="1"/>
+              </a:ext>
+            </a:extLst>
+          </p:cNvPr>
+          <p:cNvSpPr>
+            <a:spLocks noGrp="1" noRot="1" noChangeAspect="1" noMove="1" noResize="1" noEditPoints="1" noAdjustHandles="1" noChangeArrowheads="1" noChangeShapeType="1" noTextEdit="1"/>
+          </p:cNvSpPr>
+          <p:nvPr>
+            <p:extLst>
+              <p:ext uri="{386F3935-93C4-4BCD-93E2-E3B085C9AB24}">
+                <p16:designElem xmlns:p16="http://schemas.microsoft.com/office/powerpoint/2015/main" val="1"/>
+              </p:ext>
+            </p:extLst>
+          </p:nvPr>
+        </p:nvSpPr>
+        <p:spPr>
+          <a:xfrm>
+            <a:off x="0" y="651752"/>
+            <a:ext cx="12192000" cy="736551"/>
+          </a:xfrm>
+          <a:prstGeom prst="rect">
+            <a:avLst/>
+          </a:prstGeom>
+          <a:solidFill>
+            <a:schemeClr val="tx1"/>
+          </a:solidFill>
+          <a:ln>
+            <a:noFill/>
+          </a:ln>
+        </p:spPr>
+        <p:style>
+          <a:lnRef idx="2">
+            <a:schemeClr val="accent1">
+              <a:shade val="50000"/>
+            </a:schemeClr>
+          </a:lnRef>
+          <a:fillRef idx="1">
+            <a:schemeClr val="accent1"/>
+          </a:fillRef>
+          <a:effectRef idx="0">
+            <a:schemeClr val="accent1"/>
+          </a:effectRef>
+          <a:fontRef idx="minor">
+            <a:schemeClr val="lt1"/>
+          </a:fontRef>
+        </p:style>
+        <p:txBody>
+          <a:bodyPr rtlCol="0" anchor="ctr"/>
+          <a:lstStyle/>
+          <a:p>
+            <a:pPr algn="ctr"/>
+            <a:endParaRPr lang="en-US"/>
+          </a:p>
+        </p:txBody>
+      </p:sp>
+      <p:sp>
+        <p:nvSpPr>
+          <p:cNvPr id="2" name="Title 1">
+            <a:extLst>
+              <a:ext uri="{FF2B5EF4-FFF2-40B4-BE49-F238E27FC236}">
+                <a16:creationId xmlns:a16="http://schemas.microsoft.com/office/drawing/2014/main" id="{58B896D8-9A8E-C7DC-3BE3-0C2A3A4914F8}"/>
+              </a:ext>
+            </a:extLst>
+          </p:cNvPr>
+          <p:cNvSpPr>
+            <a:spLocks noGrp="1"/>
+          </p:cNvSpPr>
+          <p:nvPr>
+            <p:ph type="title"/>
+          </p:nvPr>
+        </p:nvSpPr>
+        <p:spPr>
+          <a:xfrm>
+            <a:off x="556532" y="643467"/>
+            <a:ext cx="11210925" cy="744836"/>
+          </a:xfrm>
+        </p:spPr>
+        <p:txBody>
+          <a:bodyPr vert="horz" lIns="91440" tIns="45720" rIns="91440" bIns="45720" rtlCol="0" anchor="ctr">
+            <a:normAutofit/>
+          </a:bodyPr>
+          <a:lstStyle/>
+          <a:p>
+            <a:pPr algn="ctr"/>
+            <a:r>
+              <a:rPr lang="en-US" sz="3200" b="1" kern="1200">
+                <a:solidFill>
+                  <a:schemeClr val="bg1"/>
+                </a:solidFill>
+                <a:latin typeface="+mj-lt"/>
+                <a:ea typeface="+mj-ea"/>
+                <a:cs typeface="+mj-cs"/>
+              </a:rPr>
+              <a:t>БЛАГОДАРИМ ВИ ЗА ВНИМАНИЕТО</a:t>
+            </a:r>
+          </a:p>
+        </p:txBody>
+      </p:sp>
+      <p:pic>
+        <p:nvPicPr>
+          <p:cNvPr id="4" name="Content Placeholder 3" descr="A white outline of a car">
+            <a:extLst>
+              <a:ext uri="{FF2B5EF4-FFF2-40B4-BE49-F238E27FC236}">
+                <a16:creationId xmlns:a16="http://schemas.microsoft.com/office/drawing/2014/main" id="{8D1675E2-D86D-F129-D5BC-4B7108BBD2BB}"/>
+              </a:ext>
+            </a:extLst>
+          </p:cNvPr>
+          <p:cNvPicPr>
+            <a:picLocks noGrp="1" noChangeAspect="1"/>
+          </p:cNvPicPr>
+          <p:nvPr>
+            <p:ph idx="1"/>
+          </p:nvPr>
+        </p:nvPicPr>
+        <p:blipFill>
+          <a:blip r:embed="rId2">
+            <a:extLst>
+              <a:ext uri="{28A0092B-C50C-407E-A947-70E740481C1C}">
+                <a14:useLocalDpi xmlns:a14="http://schemas.microsoft.com/office/drawing/2010/main" val="0"/>
+              </a:ext>
+            </a:extLst>
+          </a:blip>
+          <a:stretch>
+            <a:fillRect/>
+          </a:stretch>
+        </p:blipFill>
+        <p:spPr>
+          <a:xfrm>
+            <a:off x="801785" y="1675227"/>
+            <a:ext cx="10588429" cy="4394199"/>
+          </a:xfrm>
+          <a:prstGeom prst="rect">
+            <a:avLst/>
+          </a:prstGeom>
+          <a:solidFill>
+            <a:schemeClr val="accent1"/>
+          </a:solidFill>
+        </p:spPr>
+      </p:pic>
+    </p:spTree>
+    <p:extLst>
+      <p:ext uri="{BB962C8B-B14F-4D97-AF65-F5344CB8AC3E}">
+        <p14:creationId xmlns:p14="http://schemas.microsoft.com/office/powerpoint/2010/main" val="1873923116"/>
       </p:ext>
     </p:extLst>
   </p:cSld>
@@ -4647,26 +4838,6 @@
             </a:r>
             <a:endParaRPr lang="bg-BG" sz="4400" dirty="0">
               <a:effectLst/>
-              <a:latin typeface="Arial" panose="020B0604020202020204" pitchFamily="34" charset="0"/>
-              <a:ea typeface="Arial" panose="020B0604020202020204" pitchFamily="34" charset="0"/>
-            </a:endParaRPr>
-          </a:p>
-          <a:p>
-            <a:pPr marL="514350" indent="-514350">
-              <a:buFont typeface="+mj-lt"/>
-              <a:buAutoNum type="arabicPeriod"/>
-            </a:pPr>
-            <a:r>
-              <a:rPr lang="en-US" sz="4400" dirty="0">
-                <a:effectLst/>
-                <a:latin typeface="Arial" panose="020B0604020202020204" pitchFamily="34" charset="0"/>
-                <a:ea typeface="Arial" panose="020B0604020202020204" pitchFamily="34" charset="0"/>
-                <a:cs typeface="Times New Roman" panose="02020603050405020304" pitchFamily="18" charset="0"/>
-              </a:rPr>
-              <a:t>Схема на сайта</a:t>
-            </a:r>
-            <a:endParaRPr lang="bg-BG" sz="4400" dirty="0">
-              <a:effectLst/>
               <a:latin typeface="Aptos" panose="020B0004020202020204" pitchFamily="34" charset="0"/>
               <a:ea typeface="Times New Roman" panose="02020603050405020304" pitchFamily="18" charset="0"/>
               <a:cs typeface="Times New Roman" panose="02020603050405020304" pitchFamily="18" charset="0"/>
@@ -6216,6 +6387,23 @@
 </file>
 
 <file path=customXml/item1.xml><?xml version="1.0" encoding="utf-8"?>
+<p:properties xmlns:p="http://schemas.microsoft.com/office/2006/metadata/properties" xmlns:xsi="http://www.w3.org/2001/XMLSchema-instance" xmlns:pc="http://schemas.microsoft.com/office/infopath/2007/PartnerControls">
+  <documentManagement>
+    <_activity xmlns="b491da3f-ad68-4520-a7d0-8d78b61205af" xsi:nil="true"/>
+  </documentManagement>
+</p:properties>
+</file>
+
+<file path=customXml/item2.xml><?xml version="1.0" encoding="utf-8"?>
+<?mso-contentType ?>
+<FormTemplates xmlns="http://schemas.microsoft.com/sharepoint/v3/contenttype/forms">
+  <Display>DocumentLibraryForm</Display>
+  <Edit>DocumentLibraryForm</Edit>
+  <New>DocumentLibraryForm</New>
+</FormTemplates>
+</file>
+
+<file path=customXml/item3.xml><?xml version="1.0" encoding="utf-8"?>
 <ct:contentTypeSchema xmlns:ct="http://schemas.microsoft.com/office/2006/metadata/contentType" xmlns:ma="http://schemas.microsoft.com/office/2006/metadata/properties/metaAttributes" ct:_="" ma:_="" ma:contentTypeName="Документ" ma:contentTypeID="0x0101003651515F6ADA584A81E463D9FB350E0D" ma:contentTypeVersion="10" ma:contentTypeDescription="Създаване на нов документ" ma:contentTypeScope="" ma:versionID="af9ab7e96f138e96c9cccfda8d4d35a8">
   <xsd:schema xmlns:xsd="http://www.w3.org/2001/XMLSchema" xmlns:xs="http://www.w3.org/2001/XMLSchema" xmlns:p="http://schemas.microsoft.com/office/2006/metadata/properties" xmlns:ns3="b491da3f-ad68-4520-a7d0-8d78b61205af" targetNamespace="http://schemas.microsoft.com/office/2006/metadata/properties" ma:root="true" ma:fieldsID="d36d447aab0bf196a8aefb4e33c66be2" ns3:_="">
     <xsd:import namespace="b491da3f-ad68-4520-a7d0-8d78b61205af"/>
@@ -6397,24 +6585,31 @@
 </ct:contentTypeSchema>
 </file>
 
-<file path=customXml/item2.xml><?xml version="1.0" encoding="utf-8"?>
-<?mso-contentType ?>
-<FormTemplates xmlns="http://schemas.microsoft.com/sharepoint/v3/contenttype/forms">
-  <Display>DocumentLibraryForm</Display>
-  <Edit>DocumentLibraryForm</Edit>
-  <New>DocumentLibraryForm</New>
-</FormTemplates>
+<file path=customXml/itemProps1.xml><?xml version="1.0" encoding="utf-8"?>
+<ds:datastoreItem xmlns:ds="http://schemas.openxmlformats.org/officeDocument/2006/customXml" ds:itemID="{29D39F3B-C4BD-4539-9639-970F7BB0D447}">
+  <ds:schemaRefs>
+    <ds:schemaRef ds:uri="http://schemas.microsoft.com/office/2006/metadata/properties"/>
+    <ds:schemaRef ds:uri="http://www.w3.org/XML/1998/namespace"/>
+    <ds:schemaRef ds:uri="http://purl.org/dc/dcmitype/"/>
+    <ds:schemaRef ds:uri="http://purl.org/dc/terms/"/>
+    <ds:schemaRef ds:uri="http://schemas.openxmlformats.org/package/2006/metadata/core-properties"/>
+    <ds:schemaRef ds:uri="http://purl.org/dc/elements/1.1/"/>
+    <ds:schemaRef ds:uri="http://schemas.microsoft.com/office/2006/documentManagement/types"/>
+    <ds:schemaRef ds:uri="http://schemas.microsoft.com/office/infopath/2007/PartnerControls"/>
+    <ds:schemaRef ds:uri="b491da3f-ad68-4520-a7d0-8d78b61205af"/>
+  </ds:schemaRefs>
+</ds:datastoreItem>
 </file>
 
-<file path=customXml/item3.xml><?xml version="1.0" encoding="utf-8"?>
-<p:properties xmlns:p="http://schemas.microsoft.com/office/2006/metadata/properties" xmlns:xsi="http://www.w3.org/2001/XMLSchema-instance" xmlns:pc="http://schemas.microsoft.com/office/infopath/2007/PartnerControls">
-  <documentManagement>
-    <_activity xmlns="b491da3f-ad68-4520-a7d0-8d78b61205af" xsi:nil="true"/>
-  </documentManagement>
-</p:properties>
+<file path=customXml/itemProps2.xml><?xml version="1.0" encoding="utf-8"?>
+<ds:datastoreItem xmlns:ds="http://schemas.openxmlformats.org/officeDocument/2006/customXml" ds:itemID="{A05CB470-80DA-4717-ADF2-055F9E9AC9C1}">
+  <ds:schemaRefs>
+    <ds:schemaRef ds:uri="http://schemas.microsoft.com/sharepoint/v3/contenttype/forms"/>
+  </ds:schemaRefs>
+</ds:datastoreItem>
 </file>
 
-<file path=customXml/itemProps1.xml><?xml version="1.0" encoding="utf-8"?>
+<file path=customXml/itemProps3.xml><?xml version="1.0" encoding="utf-8"?>
 <ds:datastoreItem xmlns:ds="http://schemas.openxmlformats.org/officeDocument/2006/customXml" ds:itemID="{5D9DDABD-3623-4B82-88F9-604F7B871CFD}">
   <ds:schemaRefs>
     <ds:schemaRef ds:uri="http://schemas.microsoft.com/office/2006/metadata/contentType"/>
@@ -6430,28 +6625,4 @@
     <ds:schemaRef ds:uri="http://schemas.microsoft.com/internal/obd"/>
   </ds:schemaRefs>
 </ds:datastoreItem>
-</file>
-
-<file path=customXml/itemProps2.xml><?xml version="1.0" encoding="utf-8"?>
-<ds:datastoreItem xmlns:ds="http://schemas.openxmlformats.org/officeDocument/2006/customXml" ds:itemID="{A05CB470-80DA-4717-ADF2-055F9E9AC9C1}">
-  <ds:schemaRefs>
-    <ds:schemaRef ds:uri="http://schemas.microsoft.com/sharepoint/v3/contenttype/forms"/>
-  </ds:schemaRefs>
-</ds:datastoreItem>
-</file>
-
-<file path=customXml/itemProps3.xml><?xml version="1.0" encoding="utf-8"?>
-<ds:datastoreItem xmlns:ds="http://schemas.openxmlformats.org/officeDocument/2006/customXml" ds:itemID="{29D39F3B-C4BD-4539-9639-970F7BB0D447}">
-  <ds:schemaRefs>
-    <ds:schemaRef ds:uri="http://schemas.microsoft.com/office/2006/metadata/properties"/>
-    <ds:schemaRef ds:uri="http://www.w3.org/XML/1998/namespace"/>
-    <ds:schemaRef ds:uri="http://purl.org/dc/dcmitype/"/>
-    <ds:schemaRef ds:uri="http://purl.org/dc/terms/"/>
-    <ds:schemaRef ds:uri="http://schemas.openxmlformats.org/package/2006/metadata/core-properties"/>
-    <ds:schemaRef ds:uri="http://purl.org/dc/elements/1.1/"/>
-    <ds:schemaRef ds:uri="http://schemas.microsoft.com/office/2006/documentManagement/types"/>
-    <ds:schemaRef ds:uri="http://schemas.microsoft.com/office/infopath/2007/PartnerControls"/>
-    <ds:schemaRef ds:uri="b491da3f-ad68-4520-a7d0-8d78b61205af"/>
-  </ds:schemaRefs>
-</ds:datastoreItem>
 </file>